--- a/lectures/05_binary_classification_1_to_1/binary_classification.pptx
+++ b/lectures/05_binary_classification_1_to_1/binary_classification.pptx
@@ -5,15 +5,16 @@
     <p:sldMasterId id="2147483648" r:id="rId1"/>
   </p:sldMasterIdLst>
   <p:notesMasterIdLst>
-    <p:notesMasterId r:id="rId8"/>
+    <p:notesMasterId r:id="rId9"/>
   </p:notesMasterIdLst>
   <p:sldIdLst>
     <p:sldId id="256" r:id="rId2"/>
     <p:sldId id="257" r:id="rId3"/>
     <p:sldId id="258" r:id="rId4"/>
     <p:sldId id="261" r:id="rId5"/>
-    <p:sldId id="259" r:id="rId6"/>
-    <p:sldId id="260" r:id="rId7"/>
+    <p:sldId id="262" r:id="rId6"/>
+    <p:sldId id="259" r:id="rId7"/>
+    <p:sldId id="260" r:id="rId8"/>
   </p:sldIdLst>
   <p:sldSz cx="12192000" cy="6858000"/>
   <p:notesSz cx="6858000" cy="9144000"/>
@@ -123,7 +124,7 @@
 <file path=ppt/revisionInfo.xml><?xml version="1.0" encoding="utf-8"?>
 <p1510:revInfo xmlns:a="http://schemas.openxmlformats.org/drawingml/2006/main" xmlns:r="http://schemas.openxmlformats.org/officeDocument/2006/relationships" xmlns:p1510="http://schemas.microsoft.com/office/powerpoint/2015/10/main">
   <p1510:revLst>
-    <p1510:client id="{825966BF-7E70-4B40-8404-AC60AE88AAC3}" v="29" dt="2025-05-02T00:09:11.115"/>
+    <p1510:client id="{825966BF-7E70-4B40-8404-AC60AE88AAC3}" v="43" dt="2025-06-02T15:25:42.082"/>
   </p1510:revLst>
 </p1510:revInfo>
 </file>
@@ -133,7 +134,7 @@
   <pc:docChgLst>
     <pc:chgData name="Weifeng Xu" userId="e7aed605-a3dd-4d5a-a692-a87037af107b" providerId="ADAL" clId="{825966BF-7E70-4B40-8404-AC60AE88AAC3}"/>
     <pc:docChg chg="undo redo custSel addSld delSld modSld">
-      <pc:chgData name="Weifeng Xu" userId="e7aed605-a3dd-4d5a-a692-a87037af107b" providerId="ADAL" clId="{825966BF-7E70-4B40-8404-AC60AE88AAC3}" dt="2025-05-02T00:15:11.452" v="847"/>
+      <pc:chgData name="Weifeng Xu" userId="e7aed605-a3dd-4d5a-a692-a87037af107b" providerId="ADAL" clId="{825966BF-7E70-4B40-8404-AC60AE88AAC3}" dt="2025-06-02T15:26:32.502" v="1000" actId="14100"/>
       <pc:docMkLst>
         <pc:docMk/>
       </pc:docMkLst>
@@ -168,7 +169,7 @@
         </pc:sldMkLst>
       </pc:sldChg>
       <pc:sldChg chg="addSp delSp modSp new mod modClrScheme chgLayout">
-        <pc:chgData name="Weifeng Xu" userId="e7aed605-a3dd-4d5a-a692-a87037af107b" providerId="ADAL" clId="{825966BF-7E70-4B40-8404-AC60AE88AAC3}" dt="2025-04-30T13:58:16.050" v="95" actId="11529"/>
+        <pc:chgData name="Weifeng Xu" userId="e7aed605-a3dd-4d5a-a692-a87037af107b" providerId="ADAL" clId="{825966BF-7E70-4B40-8404-AC60AE88AAC3}" dt="2025-06-02T14:51:24.845" v="852" actId="14100"/>
         <pc:sldMkLst>
           <pc:docMk/>
           <pc:sldMk cId="3381090855" sldId="257"/>
@@ -198,6 +199,14 @@
           </ac:spMkLst>
         </pc:spChg>
         <pc:picChg chg="add mod">
+          <ac:chgData name="Weifeng Xu" userId="e7aed605-a3dd-4d5a-a692-a87037af107b" providerId="ADAL" clId="{825966BF-7E70-4B40-8404-AC60AE88AAC3}" dt="2025-06-02T14:51:24.845" v="852" actId="14100"/>
+          <ac:picMkLst>
+            <pc:docMk/>
+            <pc:sldMk cId="3381090855" sldId="257"/>
+            <ac:picMk id="3" creationId="{919F024C-A44F-C27E-077F-F1032EBAC2AB}"/>
+          </ac:picMkLst>
+        </pc:picChg>
+        <pc:picChg chg="add mod">
           <ac:chgData name="Weifeng Xu" userId="e7aed605-a3dd-4d5a-a692-a87037af107b" providerId="ADAL" clId="{825966BF-7E70-4B40-8404-AC60AE88AAC3}" dt="2025-04-30T13:49:19.830" v="48" actId="14100"/>
           <ac:picMkLst>
             <pc:docMk/>
@@ -205,8 +214,8 @@
             <ac:picMk id="7" creationId="{D9B79E3F-B70A-67B1-36C6-5AF6DA7866B1}"/>
           </ac:picMkLst>
         </pc:picChg>
-        <pc:picChg chg="add mod">
-          <ac:chgData name="Weifeng Xu" userId="e7aed605-a3dd-4d5a-a692-a87037af107b" providerId="ADAL" clId="{825966BF-7E70-4B40-8404-AC60AE88AAC3}" dt="2025-04-30T13:58:04.456" v="94" actId="14100"/>
+        <pc:picChg chg="add del mod">
+          <ac:chgData name="Weifeng Xu" userId="e7aed605-a3dd-4d5a-a692-a87037af107b" providerId="ADAL" clId="{825966BF-7E70-4B40-8404-AC60AE88AAC3}" dt="2025-06-02T14:51:17.822" v="848" actId="478"/>
           <ac:picMkLst>
             <pc:docMk/>
             <pc:sldMk cId="3381090855" sldId="257"/>
@@ -236,38 +245,6 @@
             <ac:spMk id="2" creationId="{B7D803A0-7752-D061-C3A3-6C8DB69EB73E}"/>
           </ac:spMkLst>
         </pc:spChg>
-        <pc:spChg chg="add del mod">
-          <ac:chgData name="Weifeng Xu" userId="e7aed605-a3dd-4d5a-a692-a87037af107b" providerId="ADAL" clId="{825966BF-7E70-4B40-8404-AC60AE88AAC3}" dt="2025-05-02T00:05:45.189" v="675" actId="478"/>
-          <ac:spMkLst>
-            <pc:docMk/>
-            <pc:sldMk cId="2204530230" sldId="258"/>
-            <ac:spMk id="3" creationId="{561504F1-FBAC-0E12-01D6-E58A63CD8E89}"/>
-          </ac:spMkLst>
-        </pc:spChg>
-        <pc:spChg chg="add del mod">
-          <ac:chgData name="Weifeng Xu" userId="e7aed605-a3dd-4d5a-a692-a87037af107b" providerId="ADAL" clId="{825966BF-7E70-4B40-8404-AC60AE88AAC3}" dt="2025-05-02T00:05:45.189" v="675" actId="478"/>
-          <ac:spMkLst>
-            <pc:docMk/>
-            <pc:sldMk cId="2204530230" sldId="258"/>
-            <ac:spMk id="4" creationId="{B5EA46A2-D376-002E-E0ED-F66BA6A6952D}"/>
-          </ac:spMkLst>
-        </pc:spChg>
-        <pc:spChg chg="add mod">
-          <ac:chgData name="Weifeng Xu" userId="e7aed605-a3dd-4d5a-a692-a87037af107b" providerId="ADAL" clId="{825966BF-7E70-4B40-8404-AC60AE88AAC3}" dt="2025-05-01T22:46:03.026" v="640" actId="113"/>
-          <ac:spMkLst>
-            <pc:docMk/>
-            <pc:sldMk cId="2204530230" sldId="258"/>
-            <ac:spMk id="5" creationId="{3712D51F-4F25-D0B0-676B-7969866D747B}"/>
-          </ac:spMkLst>
-        </pc:spChg>
-        <pc:spChg chg="add del mod">
-          <ac:chgData name="Weifeng Xu" userId="e7aed605-a3dd-4d5a-a692-a87037af107b" providerId="ADAL" clId="{825966BF-7E70-4B40-8404-AC60AE88AAC3}" dt="2025-05-02T00:05:45.189" v="675" actId="478"/>
-          <ac:spMkLst>
-            <pc:docMk/>
-            <pc:sldMk cId="2204530230" sldId="258"/>
-            <ac:spMk id="9" creationId="{F06EBDDF-4803-B023-B841-EE548A735993}"/>
-          </ac:spMkLst>
-        </pc:spChg>
         <pc:spChg chg="add mod">
           <ac:chgData name="Weifeng Xu" userId="e7aed605-a3dd-4d5a-a692-a87037af107b" providerId="ADAL" clId="{825966BF-7E70-4B40-8404-AC60AE88AAC3}" dt="2025-05-01T22:51:44.780" v="672" actId="20577"/>
           <ac:spMkLst>
@@ -292,14 +269,6 @@
             <ac:spMk id="22" creationId="{E5D456AA-71B0-FEEA-2643-8FA16DC350A0}"/>
           </ac:spMkLst>
         </pc:spChg>
-        <pc:spChg chg="add del mod">
-          <ac:chgData name="Weifeng Xu" userId="e7aed605-a3dd-4d5a-a692-a87037af107b" providerId="ADAL" clId="{825966BF-7E70-4B40-8404-AC60AE88AAC3}" dt="2025-05-02T00:05:45.189" v="675" actId="478"/>
-          <ac:spMkLst>
-            <pc:docMk/>
-            <pc:sldMk cId="2204530230" sldId="258"/>
-            <ac:spMk id="27" creationId="{8F8EC2BA-6A05-D8B0-03D5-BFA88770B477}"/>
-          </ac:spMkLst>
-        </pc:spChg>
         <pc:grpChg chg="mod">
           <ac:chgData name="Weifeng Xu" userId="e7aed605-a3dd-4d5a-a692-a87037af107b" providerId="ADAL" clId="{825966BF-7E70-4B40-8404-AC60AE88AAC3}" dt="2025-04-30T13:59:03.183" v="114"/>
           <ac:grpSpMkLst>
@@ -322,14 +291,6 @@
             <pc:docMk/>
             <pc:sldMk cId="2204530230" sldId="258"/>
             <ac:picMk id="7" creationId="{F8AC5C0A-A1A1-DF51-A7B3-0908B0916F87}"/>
-          </ac:picMkLst>
-        </pc:picChg>
-        <pc:picChg chg="add del mod">
-          <ac:chgData name="Weifeng Xu" userId="e7aed605-a3dd-4d5a-a692-a87037af107b" providerId="ADAL" clId="{825966BF-7E70-4B40-8404-AC60AE88AAC3}" dt="2025-05-02T00:05:45.189" v="675" actId="478"/>
-          <ac:picMkLst>
-            <pc:docMk/>
-            <pc:sldMk cId="2204530230" sldId="258"/>
-            <ac:picMk id="10" creationId="{8268ECE3-9E5D-B476-61C8-2389A5FE6A76}"/>
           </ac:picMkLst>
         </pc:picChg>
         <pc:picChg chg="add mod">
@@ -380,38 +341,6 @@
             <ac:inkMk id="15" creationId="{DCE899AC-F98E-2420-C39F-E42267DC2618}"/>
           </ac:inkMkLst>
         </pc:inkChg>
-        <pc:cxnChg chg="add del mod">
-          <ac:chgData name="Weifeng Xu" userId="e7aed605-a3dd-4d5a-a692-a87037af107b" providerId="ADAL" clId="{825966BF-7E70-4B40-8404-AC60AE88AAC3}" dt="2025-05-02T00:05:45.189" v="675" actId="478"/>
-          <ac:cxnSpMkLst>
-            <pc:docMk/>
-            <pc:sldMk cId="2204530230" sldId="258"/>
-            <ac:cxnSpMk id="17" creationId="{091027CD-1011-2E0C-72EB-EFF0408590A6}"/>
-          </ac:cxnSpMkLst>
-        </pc:cxnChg>
-        <pc:cxnChg chg="add del mod">
-          <ac:chgData name="Weifeng Xu" userId="e7aed605-a3dd-4d5a-a692-a87037af107b" providerId="ADAL" clId="{825966BF-7E70-4B40-8404-AC60AE88AAC3}" dt="2025-05-02T00:05:45.189" v="675" actId="478"/>
-          <ac:cxnSpMkLst>
-            <pc:docMk/>
-            <pc:sldMk cId="2204530230" sldId="258"/>
-            <ac:cxnSpMk id="21" creationId="{1C54A079-D204-B68D-BA04-EDED2094D0FC}"/>
-          </ac:cxnSpMkLst>
-        </pc:cxnChg>
-        <pc:cxnChg chg="add del mod">
-          <ac:chgData name="Weifeng Xu" userId="e7aed605-a3dd-4d5a-a692-a87037af107b" providerId="ADAL" clId="{825966BF-7E70-4B40-8404-AC60AE88AAC3}" dt="2025-05-02T00:05:48.047" v="676" actId="478"/>
-          <ac:cxnSpMkLst>
-            <pc:docMk/>
-            <pc:sldMk cId="2204530230" sldId="258"/>
-            <ac:cxnSpMk id="24" creationId="{32FB1341-E4B4-1A0E-C64E-F93638F6908D}"/>
-          </ac:cxnSpMkLst>
-        </pc:cxnChg>
-        <pc:cxnChg chg="add del mod">
-          <ac:chgData name="Weifeng Xu" userId="e7aed605-a3dd-4d5a-a692-a87037af107b" providerId="ADAL" clId="{825966BF-7E70-4B40-8404-AC60AE88AAC3}" dt="2025-05-01T22:44:42.064" v="626" actId="478"/>
-          <ac:cxnSpMkLst>
-            <pc:docMk/>
-            <pc:sldMk cId="2204530230" sldId="258"/>
-            <ac:cxnSpMk id="28" creationId="{C35E9C9A-CEF8-0518-61FA-12AD5A1EA277}"/>
-          </ac:cxnSpMkLst>
-        </pc:cxnChg>
       </pc:sldChg>
       <pc:sldChg chg="del">
         <pc:chgData name="Weifeng Xu" userId="e7aed605-a3dd-4d5a-a692-a87037af107b" providerId="ADAL" clId="{825966BF-7E70-4B40-8404-AC60AE88AAC3}" dt="2025-04-30T13:48:20.403" v="23" actId="47"/>
@@ -421,7 +350,7 @@
         </pc:sldMkLst>
       </pc:sldChg>
       <pc:sldChg chg="addSp modSp new mod">
-        <pc:chgData name="Weifeng Xu" userId="e7aed605-a3dd-4d5a-a692-a87037af107b" providerId="ADAL" clId="{825966BF-7E70-4B40-8404-AC60AE88AAC3}" dt="2025-05-02T00:15:11.452" v="847"/>
+        <pc:chgData name="Weifeng Xu" userId="e7aed605-a3dd-4d5a-a692-a87037af107b" providerId="ADAL" clId="{825966BF-7E70-4B40-8404-AC60AE88AAC3}" dt="2025-06-02T15:26:32.502" v="1000" actId="14100"/>
         <pc:sldMkLst>
           <pc:docMk/>
           <pc:sldMk cId="1137577100" sldId="259"/>
@@ -435,7 +364,7 @@
           </ac:spMkLst>
         </pc:spChg>
         <pc:spChg chg="add mod">
-          <ac:chgData name="Weifeng Xu" userId="e7aed605-a3dd-4d5a-a692-a87037af107b" providerId="ADAL" clId="{825966BF-7E70-4B40-8404-AC60AE88AAC3}" dt="2025-05-02T00:12:43.718" v="769" actId="6549"/>
+          <ac:chgData name="Weifeng Xu" userId="e7aed605-a3dd-4d5a-a692-a87037af107b" providerId="ADAL" clId="{825966BF-7E70-4B40-8404-AC60AE88AAC3}" dt="2025-06-02T15:26:26.571" v="999" actId="14100"/>
           <ac:spMkLst>
             <pc:docMk/>
             <pc:sldMk cId="1137577100" sldId="259"/>
@@ -443,7 +372,7 @@
           </ac:spMkLst>
         </pc:spChg>
         <pc:spChg chg="add mod">
-          <ac:chgData name="Weifeng Xu" userId="e7aed605-a3dd-4d5a-a692-a87037af107b" providerId="ADAL" clId="{825966BF-7E70-4B40-8404-AC60AE88AAC3}" dt="2025-04-30T14:56:43.899" v="465" actId="14100"/>
+          <ac:chgData name="Weifeng Xu" userId="e7aed605-a3dd-4d5a-a692-a87037af107b" providerId="ADAL" clId="{825966BF-7E70-4B40-8404-AC60AE88AAC3}" dt="2025-06-02T15:26:32.502" v="1000" actId="14100"/>
           <ac:spMkLst>
             <pc:docMk/>
             <pc:sldMk cId="1137577100" sldId="259"/>
@@ -467,7 +396,7 @@
         </pc:sldMkLst>
       </pc:sldChg>
       <pc:sldChg chg="addSp delSp modSp new mod">
-        <pc:chgData name="Weifeng Xu" userId="e7aed605-a3dd-4d5a-a692-a87037af107b" providerId="ADAL" clId="{825966BF-7E70-4B40-8404-AC60AE88AAC3}" dt="2025-04-30T15:37:56.385" v="625"/>
+        <pc:chgData name="Weifeng Xu" userId="e7aed605-a3dd-4d5a-a692-a87037af107b" providerId="ADAL" clId="{825966BF-7E70-4B40-8404-AC60AE88AAC3}" dt="2025-06-02T14:58:04.624" v="876" actId="6549"/>
         <pc:sldMkLst>
           <pc:docMk/>
           <pc:sldMk cId="1372123449" sldId="260"/>
@@ -512,32 +441,32 @@
             <ac:spMk id="16" creationId="{3A75D7C6-CB51-5B91-5762-C53C73CDFA88}"/>
           </ac:spMkLst>
         </pc:spChg>
-        <pc:spChg chg="add mod">
-          <ac:chgData name="Weifeng Xu" userId="e7aed605-a3dd-4d5a-a692-a87037af107b" providerId="ADAL" clId="{825966BF-7E70-4B40-8404-AC60AE88AAC3}" dt="2025-04-30T15:31:36.349" v="584" actId="1076"/>
+        <pc:spChg chg="add del mod">
+          <ac:chgData name="Weifeng Xu" userId="e7aed605-a3dd-4d5a-a692-a87037af107b" providerId="ADAL" clId="{825966BF-7E70-4B40-8404-AC60AE88AAC3}" dt="2025-06-02T14:58:04.624" v="876" actId="6549"/>
           <ac:spMkLst>
             <pc:docMk/>
             <pc:sldMk cId="1372123449" sldId="260"/>
             <ac:spMk id="18" creationId="{2A46A469-EAF5-F916-4CD0-DCA1E423CE20}"/>
           </ac:spMkLst>
         </pc:spChg>
-        <pc:spChg chg="add mod">
-          <ac:chgData name="Weifeng Xu" userId="e7aed605-a3dd-4d5a-a692-a87037af107b" providerId="ADAL" clId="{825966BF-7E70-4B40-8404-AC60AE88AAC3}" dt="2025-04-30T15:31:41.103" v="586" actId="1076"/>
+        <pc:spChg chg="add del mod">
+          <ac:chgData name="Weifeng Xu" userId="e7aed605-a3dd-4d5a-a692-a87037af107b" providerId="ADAL" clId="{825966BF-7E70-4B40-8404-AC60AE88AAC3}" dt="2025-06-02T14:58:02.294" v="871" actId="6549"/>
           <ac:spMkLst>
             <pc:docMk/>
             <pc:sldMk cId="1372123449" sldId="260"/>
             <ac:spMk id="19" creationId="{1F7168D3-A07D-9F2A-56C7-A9ED302A7426}"/>
           </ac:spMkLst>
         </pc:spChg>
-        <pc:spChg chg="add mod">
-          <ac:chgData name="Weifeng Xu" userId="e7aed605-a3dd-4d5a-a692-a87037af107b" providerId="ADAL" clId="{825966BF-7E70-4B40-8404-AC60AE88AAC3}" dt="2025-04-30T15:31:48.855" v="589" actId="20577"/>
+        <pc:spChg chg="add del mod">
+          <ac:chgData name="Weifeng Xu" userId="e7aed605-a3dd-4d5a-a692-a87037af107b" providerId="ADAL" clId="{825966BF-7E70-4B40-8404-AC60AE88AAC3}" dt="2025-06-02T14:58:03.756" v="874" actId="6549"/>
           <ac:spMkLst>
             <pc:docMk/>
             <pc:sldMk cId="1372123449" sldId="260"/>
             <ac:spMk id="20" creationId="{4D1F7162-7974-66CD-7DA8-BEE3F6638524}"/>
           </ac:spMkLst>
         </pc:spChg>
-        <pc:spChg chg="add mod">
-          <ac:chgData name="Weifeng Xu" userId="e7aed605-a3dd-4d5a-a692-a87037af107b" providerId="ADAL" clId="{825966BF-7E70-4B40-8404-AC60AE88AAC3}" dt="2025-04-30T15:32:03.952" v="592" actId="1076"/>
+        <pc:spChg chg="add del mod">
+          <ac:chgData name="Weifeng Xu" userId="e7aed605-a3dd-4d5a-a692-a87037af107b" providerId="ADAL" clId="{825966BF-7E70-4B40-8404-AC60AE88AAC3}" dt="2025-06-02T14:58:01.360" v="868" actId="6549"/>
           <ac:spMkLst>
             <pc:docMk/>
             <pc:sldMk cId="1372123449" sldId="260"/>
@@ -606,14 +535,6 @@
             <ac:spMk id="7" creationId="{E68D58EC-F0BF-0902-663D-030A2A9E77D4}"/>
           </ac:spMkLst>
         </pc:spChg>
-        <pc:picChg chg="add del mod">
-          <ac:chgData name="Weifeng Xu" userId="e7aed605-a3dd-4d5a-a692-a87037af107b" providerId="ADAL" clId="{825966BF-7E70-4B40-8404-AC60AE88AAC3}" dt="2025-05-02T00:08:17.862" v="709" actId="478"/>
-          <ac:picMkLst>
-            <pc:docMk/>
-            <pc:sldMk cId="707994329" sldId="261"/>
-            <ac:picMk id="4" creationId="{3D7F9B4A-8E3B-8681-9407-5F964ADE3544}"/>
-          </ac:picMkLst>
-        </pc:picChg>
         <pc:picChg chg="add mod">
           <ac:chgData name="Weifeng Xu" userId="e7aed605-a3dd-4d5a-a692-a87037af107b" providerId="ADAL" clId="{825966BF-7E70-4B40-8404-AC60AE88AAC3}" dt="2025-05-02T00:08:38.340" v="712" actId="14100"/>
           <ac:picMkLst>
@@ -629,6 +550,85 @@
           <pc:docMk/>
           <pc:sldMk cId="909895920" sldId="261"/>
         </pc:sldMkLst>
+      </pc:sldChg>
+      <pc:sldChg chg="addSp delSp modSp new mod">
+        <pc:chgData name="Weifeng Xu" userId="e7aed605-a3dd-4d5a-a692-a87037af107b" providerId="ADAL" clId="{825966BF-7E70-4B40-8404-AC60AE88AAC3}" dt="2025-06-02T15:21:54.471" v="988" actId="207"/>
+        <pc:sldMkLst>
+          <pc:docMk/>
+          <pc:sldMk cId="735738061" sldId="262"/>
+        </pc:sldMkLst>
+        <pc:spChg chg="mod">
+          <ac:chgData name="Weifeng Xu" userId="e7aed605-a3dd-4d5a-a692-a87037af107b" providerId="ADAL" clId="{825966BF-7E70-4B40-8404-AC60AE88AAC3}" dt="2025-06-02T15:01:55.840" v="888" actId="313"/>
+          <ac:spMkLst>
+            <pc:docMk/>
+            <pc:sldMk cId="735738061" sldId="262"/>
+            <ac:spMk id="2" creationId="{D6FDB547-8A6B-356C-ABCF-0BBECC6122D4}"/>
+          </ac:spMkLst>
+        </pc:spChg>
+        <pc:spChg chg="add mod">
+          <ac:chgData name="Weifeng Xu" userId="e7aed605-a3dd-4d5a-a692-a87037af107b" providerId="ADAL" clId="{825966BF-7E70-4B40-8404-AC60AE88AAC3}" dt="2025-06-02T15:18:11.834" v="938" actId="1076"/>
+          <ac:spMkLst>
+            <pc:docMk/>
+            <pc:sldMk cId="735738061" sldId="262"/>
+            <ac:spMk id="7" creationId="{7489CD09-C7D9-8C00-4A75-A893E50D9F7A}"/>
+          </ac:spMkLst>
+        </pc:spChg>
+        <pc:spChg chg="add del">
+          <ac:chgData name="Weifeng Xu" userId="e7aed605-a3dd-4d5a-a692-a87037af107b" providerId="ADAL" clId="{825966BF-7E70-4B40-8404-AC60AE88AAC3}" dt="2025-06-02T15:18:31.798" v="940" actId="478"/>
+          <ac:spMkLst>
+            <pc:docMk/>
+            <pc:sldMk cId="735738061" sldId="262"/>
+            <ac:spMk id="8" creationId="{13FD0233-278E-79E2-917C-1DC7D0FA3443}"/>
+          </ac:spMkLst>
+        </pc:spChg>
+        <pc:spChg chg="add mod">
+          <ac:chgData name="Weifeng Xu" userId="e7aed605-a3dd-4d5a-a692-a87037af107b" providerId="ADAL" clId="{825966BF-7E70-4B40-8404-AC60AE88AAC3}" dt="2025-06-02T15:19:14.412" v="944" actId="692"/>
+          <ac:spMkLst>
+            <pc:docMk/>
+            <pc:sldMk cId="735738061" sldId="262"/>
+            <ac:spMk id="9" creationId="{C0562CB6-173F-C0FB-2371-22622B37ED7F}"/>
+          </ac:spMkLst>
+        </pc:spChg>
+        <pc:spChg chg="add mod">
+          <ac:chgData name="Weifeng Xu" userId="e7aed605-a3dd-4d5a-a692-a87037af107b" providerId="ADAL" clId="{825966BF-7E70-4B40-8404-AC60AE88AAC3}" dt="2025-06-02T15:21:54.471" v="988" actId="207"/>
+          <ac:spMkLst>
+            <pc:docMk/>
+            <pc:sldMk cId="735738061" sldId="262"/>
+            <ac:spMk id="10" creationId="{00CED87D-83E6-E451-3FE7-65F71470EC6C}"/>
+          </ac:spMkLst>
+        </pc:spChg>
+        <pc:graphicFrameChg chg="add mod modGraphic">
+          <ac:chgData name="Weifeng Xu" userId="e7aed605-a3dd-4d5a-a692-a87037af107b" providerId="ADAL" clId="{825966BF-7E70-4B40-8404-AC60AE88AAC3}" dt="2025-06-02T15:20:44.163" v="977" actId="1076"/>
+          <ac:graphicFrameMkLst>
+            <pc:docMk/>
+            <pc:sldMk cId="735738061" sldId="262"/>
+            <ac:graphicFrameMk id="5" creationId="{592D49FB-5C9C-1728-B5E1-E8220945C979}"/>
+          </ac:graphicFrameMkLst>
+        </pc:graphicFrameChg>
+        <pc:graphicFrameChg chg="add mod modGraphic">
+          <ac:chgData name="Weifeng Xu" userId="e7aed605-a3dd-4d5a-a692-a87037af107b" providerId="ADAL" clId="{825966BF-7E70-4B40-8404-AC60AE88AAC3}" dt="2025-06-02T15:18:11.834" v="938" actId="1076"/>
+          <ac:graphicFrameMkLst>
+            <pc:docMk/>
+            <pc:sldMk cId="735738061" sldId="262"/>
+            <ac:graphicFrameMk id="6" creationId="{83DE73EC-240E-F621-3906-B60E56A4EF12}"/>
+          </ac:graphicFrameMkLst>
+        </pc:graphicFrameChg>
+        <pc:picChg chg="add mod">
+          <ac:chgData name="Weifeng Xu" userId="e7aed605-a3dd-4d5a-a692-a87037af107b" providerId="ADAL" clId="{825966BF-7E70-4B40-8404-AC60AE88AAC3}" dt="2025-06-02T15:17:20.811" v="930" actId="1076"/>
+          <ac:picMkLst>
+            <pc:docMk/>
+            <pc:sldMk cId="735738061" sldId="262"/>
+            <ac:picMk id="3" creationId="{B49ACBC5-CA7A-9397-20F6-638B17D5603F}"/>
+          </ac:picMkLst>
+        </pc:picChg>
+        <pc:picChg chg="add mod">
+          <ac:chgData name="Weifeng Xu" userId="e7aed605-a3dd-4d5a-a692-a87037af107b" providerId="ADAL" clId="{825966BF-7E70-4B40-8404-AC60AE88AAC3}" dt="2025-06-02T15:18:11.834" v="938" actId="1076"/>
+          <ac:picMkLst>
+            <pc:docMk/>
+            <pc:sldMk cId="735738061" sldId="262"/>
+            <ac:picMk id="4" creationId="{B6393EC2-2AD7-E898-19DA-AF892CEEEEF4}"/>
+          </ac:picMkLst>
+        </pc:picChg>
       </pc:sldChg>
       <pc:sldChg chg="del">
         <pc:chgData name="Weifeng Xu" userId="e7aed605-a3dd-4d5a-a692-a87037af107b" providerId="ADAL" clId="{825966BF-7E70-4B40-8404-AC60AE88AAC3}" dt="2025-04-30T13:48:20.847" v="26" actId="47"/>
@@ -1438,7 +1438,7 @@
           <a:p>
             <a:fld id="{2A59A54D-A59E-4D85-AEC9-D5AFF867AB55}" type="datetimeFigureOut">
               <a:rPr lang="en-US" smtClean="0"/>
-              <a:t>5/1/2025</a:t>
+              <a:t>6/2/2025</a:t>
             </a:fld>
             <a:endParaRPr lang="en-US"/>
           </a:p>
@@ -1834,7 +1834,7 @@
           <a:p>
             <a:fld id="{4263717A-E3C1-4BED-ABE0-B7069385E023}" type="datetimeFigureOut">
               <a:rPr lang="en-US" smtClean="0"/>
-              <a:t>5/1/2025</a:t>
+              <a:t>6/2/2025</a:t>
             </a:fld>
             <a:endParaRPr lang="en-US"/>
           </a:p>
@@ -2007,7 +2007,7 @@
           <a:p>
             <a:fld id="{4263717A-E3C1-4BED-ABE0-B7069385E023}" type="datetimeFigureOut">
               <a:rPr lang="en-US" smtClean="0"/>
-              <a:t>5/1/2025</a:t>
+              <a:t>6/2/2025</a:t>
             </a:fld>
             <a:endParaRPr lang="en-US"/>
           </a:p>
@@ -2185,7 +2185,7 @@
           <a:p>
             <a:fld id="{4263717A-E3C1-4BED-ABE0-B7069385E023}" type="datetimeFigureOut">
               <a:rPr lang="en-US" smtClean="0"/>
-              <a:t>5/1/2025</a:t>
+              <a:t>6/2/2025</a:t>
             </a:fld>
             <a:endParaRPr lang="en-US"/>
           </a:p>
@@ -2353,7 +2353,7 @@
           <a:p>
             <a:fld id="{4263717A-E3C1-4BED-ABE0-B7069385E023}" type="datetimeFigureOut">
               <a:rPr lang="en-US" smtClean="0"/>
-              <a:t>5/1/2025</a:t>
+              <a:t>6/2/2025</a:t>
             </a:fld>
             <a:endParaRPr lang="en-US"/>
           </a:p>
@@ -2598,7 +2598,7 @@
           <a:p>
             <a:fld id="{4263717A-E3C1-4BED-ABE0-B7069385E023}" type="datetimeFigureOut">
               <a:rPr lang="en-US" smtClean="0"/>
-              <a:t>5/1/2025</a:t>
+              <a:t>6/2/2025</a:t>
             </a:fld>
             <a:endParaRPr lang="en-US"/>
           </a:p>
@@ -2827,7 +2827,7 @@
           <a:p>
             <a:fld id="{4263717A-E3C1-4BED-ABE0-B7069385E023}" type="datetimeFigureOut">
               <a:rPr lang="en-US" smtClean="0"/>
-              <a:t>5/1/2025</a:t>
+              <a:t>6/2/2025</a:t>
             </a:fld>
             <a:endParaRPr lang="en-US"/>
           </a:p>
@@ -3191,7 +3191,7 @@
           <a:p>
             <a:fld id="{4263717A-E3C1-4BED-ABE0-B7069385E023}" type="datetimeFigureOut">
               <a:rPr lang="en-US" smtClean="0"/>
-              <a:t>5/1/2025</a:t>
+              <a:t>6/2/2025</a:t>
             </a:fld>
             <a:endParaRPr lang="en-US"/>
           </a:p>
@@ -3308,7 +3308,7 @@
           <a:p>
             <a:fld id="{4263717A-E3C1-4BED-ABE0-B7069385E023}" type="datetimeFigureOut">
               <a:rPr lang="en-US" smtClean="0"/>
-              <a:t>5/1/2025</a:t>
+              <a:t>6/2/2025</a:t>
             </a:fld>
             <a:endParaRPr lang="en-US"/>
           </a:p>
@@ -3403,7 +3403,7 @@
           <a:p>
             <a:fld id="{4263717A-E3C1-4BED-ABE0-B7069385E023}" type="datetimeFigureOut">
               <a:rPr lang="en-US" smtClean="0"/>
-              <a:t>5/1/2025</a:t>
+              <a:t>6/2/2025</a:t>
             </a:fld>
             <a:endParaRPr lang="en-US"/>
           </a:p>
@@ -3678,7 +3678,7 @@
           <a:p>
             <a:fld id="{4263717A-E3C1-4BED-ABE0-B7069385E023}" type="datetimeFigureOut">
               <a:rPr lang="en-US" smtClean="0"/>
-              <a:t>5/1/2025</a:t>
+              <a:t>6/2/2025</a:t>
             </a:fld>
             <a:endParaRPr lang="en-US"/>
           </a:p>
@@ -3930,7 +3930,7 @@
           <a:p>
             <a:fld id="{4263717A-E3C1-4BED-ABE0-B7069385E023}" type="datetimeFigureOut">
               <a:rPr lang="en-US" smtClean="0"/>
-              <a:t>5/1/2025</a:t>
+              <a:t>6/2/2025</a:t>
             </a:fld>
             <a:endParaRPr lang="en-US"/>
           </a:p>
@@ -4149,7 +4149,7 @@
           <a:p>
             <a:fld id="{4263717A-E3C1-4BED-ABE0-B7069385E023}" type="datetimeFigureOut">
               <a:rPr lang="en-US" smtClean="0"/>
-              <a:t>5/1/2025</a:t>
+              <a:t>6/2/2025</a:t>
             </a:fld>
             <a:endParaRPr lang="en-US"/>
           </a:p>
@@ -4812,36 +4812,6 @@
           </a:p>
         </p:txBody>
       </p:sp>
-      <p:pic>
-        <p:nvPicPr>
-          <p:cNvPr id="12" name="Picture 11">
-            <a:extLst>
-              <a:ext uri="{FF2B5EF4-FFF2-40B4-BE49-F238E27FC236}">
-                <a16:creationId xmlns:a16="http://schemas.microsoft.com/office/drawing/2014/main" id="{21527139-2C15-33AE-1B3F-896B88992CB0}"/>
-              </a:ext>
-            </a:extLst>
-          </p:cNvPr>
-          <p:cNvPicPr>
-            <a:picLocks noChangeAspect="1"/>
-          </p:cNvPicPr>
-          <p:nvPr/>
-        </p:nvPicPr>
-        <p:blipFill>
-          <a:blip r:embed="rId5"/>
-          <a:stretch>
-            <a:fillRect/>
-          </a:stretch>
-        </p:blipFill>
-        <p:spPr>
-          <a:xfrm>
-            <a:off x="7228345" y="1806606"/>
-            <a:ext cx="4544684" cy="3467143"/>
-          </a:xfrm>
-          <a:prstGeom prst="rect">
-            <a:avLst/>
-          </a:prstGeom>
-        </p:spPr>
-      </p:pic>
       <p:sp>
         <p:nvSpPr>
           <p:cNvPr id="13" name="Arrow: Right 12">
@@ -4888,6 +4858,36 @@
           </a:p>
         </p:txBody>
       </p:sp>
+      <p:pic>
+        <p:nvPicPr>
+          <p:cNvPr id="3" name="Picture 2">
+            <a:extLst>
+              <a:ext uri="{FF2B5EF4-FFF2-40B4-BE49-F238E27FC236}">
+                <a16:creationId xmlns:a16="http://schemas.microsoft.com/office/drawing/2014/main" id="{919F024C-A44F-C27E-077F-F1032EBAC2AB}"/>
+              </a:ext>
+            </a:extLst>
+          </p:cNvPr>
+          <p:cNvPicPr>
+            <a:picLocks noChangeAspect="1"/>
+          </p:cNvPicPr>
+          <p:nvPr/>
+        </p:nvPicPr>
+        <p:blipFill>
+          <a:blip r:embed="rId5"/>
+          <a:stretch>
+            <a:fillRect/>
+          </a:stretch>
+        </p:blipFill>
+        <p:spPr>
+          <a:xfrm>
+            <a:off x="7105613" y="1806606"/>
+            <a:ext cx="4632473" cy="3534118"/>
+          </a:xfrm>
+          <a:prstGeom prst="rect">
+            <a:avLst/>
+          </a:prstGeom>
+        </p:spPr>
+      </p:pic>
     </p:spTree>
     <p:extLst>
       <p:ext uri="{BB962C8B-B14F-4D97-AF65-F5344CB8AC3E}">
@@ -5665,6 +5665,529 @@
           <p:cNvPr id="2" name="Title 1">
             <a:extLst>
               <a:ext uri="{FF2B5EF4-FFF2-40B4-BE49-F238E27FC236}">
+                <a16:creationId xmlns:a16="http://schemas.microsoft.com/office/drawing/2014/main" id="{D6FDB547-8A6B-356C-ABCF-0BBECC6122D4}"/>
+              </a:ext>
+            </a:extLst>
+          </p:cNvPr>
+          <p:cNvSpPr>
+            <a:spLocks noGrp="1"/>
+          </p:cNvSpPr>
+          <p:nvPr>
+            <p:ph type="title"/>
+          </p:nvPr>
+        </p:nvSpPr>
+        <p:spPr/>
+        <p:txBody>
+          <a:bodyPr/>
+          <a:lstStyle/>
+          <a:p>
+            <a:r>
+              <a:rPr lang="en-US" dirty="0"/>
+              <a:t>Challenge</a:t>
+            </a:r>
+          </a:p>
+        </p:txBody>
+      </p:sp>
+      <p:pic>
+        <p:nvPicPr>
+          <p:cNvPr id="3" name="Picture 2">
+            <a:extLst>
+              <a:ext uri="{FF2B5EF4-FFF2-40B4-BE49-F238E27FC236}">
+                <a16:creationId xmlns:a16="http://schemas.microsoft.com/office/drawing/2014/main" id="{B49ACBC5-CA7A-9397-20F6-638B17D5603F}"/>
+              </a:ext>
+            </a:extLst>
+          </p:cNvPr>
+          <p:cNvPicPr>
+            <a:picLocks noChangeAspect="1" noChangeArrowheads="1"/>
+          </p:cNvPicPr>
+          <p:nvPr/>
+        </p:nvPicPr>
+        <p:blipFill>
+          <a:blip r:embed="rId2">
+            <a:extLst>
+              <a:ext uri="{28A0092B-C50C-407E-A947-70E740481C1C}">
+                <a14:useLocalDpi xmlns:a14="http://schemas.microsoft.com/office/drawing/2010/main" val="0"/>
+              </a:ext>
+            </a:extLst>
+          </a:blip>
+          <a:srcRect/>
+          <a:stretch>
+            <a:fillRect/>
+          </a:stretch>
+        </p:blipFill>
+        <p:spPr bwMode="auto">
+          <a:xfrm>
+            <a:off x="838200" y="1839783"/>
+            <a:ext cx="7949727" cy="1948462"/>
+          </a:xfrm>
+          <a:prstGeom prst="rect">
+            <a:avLst/>
+          </a:prstGeom>
+          <a:noFill/>
+          <a:extLst>
+            <a:ext uri="{909E8E84-426E-40DD-AFC4-6F175D3DCCD1}">
+              <a14:hiddenFill xmlns:a14="http://schemas.microsoft.com/office/drawing/2010/main">
+                <a:solidFill>
+                  <a:srgbClr val="FFFFFF"/>
+                </a:solidFill>
+              </a14:hiddenFill>
+            </a:ext>
+          </a:extLst>
+        </p:spPr>
+      </p:pic>
+      <p:pic>
+        <p:nvPicPr>
+          <p:cNvPr id="4" name="Picture 3">
+            <a:extLst>
+              <a:ext uri="{FF2B5EF4-FFF2-40B4-BE49-F238E27FC236}">
+                <a16:creationId xmlns:a16="http://schemas.microsoft.com/office/drawing/2014/main" id="{B6393EC2-2AD7-E898-19DA-AF892CEEEEF4}"/>
+              </a:ext>
+            </a:extLst>
+          </p:cNvPr>
+          <p:cNvPicPr>
+            <a:picLocks noChangeAspect="1"/>
+          </p:cNvPicPr>
+          <p:nvPr/>
+        </p:nvPicPr>
+        <p:blipFill>
+          <a:blip r:embed="rId3"/>
+          <a:stretch>
+            <a:fillRect/>
+          </a:stretch>
+        </p:blipFill>
+        <p:spPr>
+          <a:xfrm>
+            <a:off x="4887404" y="3937340"/>
+            <a:ext cx="1514664" cy="1155539"/>
+          </a:xfrm>
+          <a:prstGeom prst="rect">
+            <a:avLst/>
+          </a:prstGeom>
+        </p:spPr>
+      </p:pic>
+      <p:graphicFrame>
+        <p:nvGraphicFramePr>
+          <p:cNvPr id="5" name="Table 4">
+            <a:extLst>
+              <a:ext uri="{FF2B5EF4-FFF2-40B4-BE49-F238E27FC236}">
+                <a16:creationId xmlns:a16="http://schemas.microsoft.com/office/drawing/2014/main" id="{592D49FB-5C9C-1728-B5E1-E8220945C979}"/>
+              </a:ext>
+            </a:extLst>
+          </p:cNvPr>
+          <p:cNvGraphicFramePr>
+            <a:graphicFrameLocks noGrp="1"/>
+          </p:cNvGraphicFramePr>
+          <p:nvPr>
+            <p:extLst>
+              <p:ext uri="{D42A27DB-BD31-4B8C-83A1-F6EECF244321}">
+                <p14:modId xmlns:p14="http://schemas.microsoft.com/office/powerpoint/2010/main" val="4130308381"/>
+              </p:ext>
+            </p:extLst>
+          </p:nvPr>
+        </p:nvGraphicFramePr>
+        <p:xfrm>
+          <a:off x="7711689" y="4144269"/>
+          <a:ext cx="517912" cy="741680"/>
+        </p:xfrm>
+        <a:graphic>
+          <a:graphicData uri="http://schemas.openxmlformats.org/drawingml/2006/table">
+            <a:tbl>
+              <a:tblPr firstRow="1" bandRow="1">
+                <a:tableStyleId>{0E3FDE45-AF77-4B5C-9715-49D594BDF05E}</a:tableStyleId>
+              </a:tblPr>
+              <a:tblGrid>
+                <a:gridCol w="517912">
+                  <a:extLst>
+                    <a:ext uri="{9D8B030D-6E8A-4147-A177-3AD203B41FA5}">
+                      <a16:colId xmlns:a16="http://schemas.microsoft.com/office/drawing/2014/main" val="1049364429"/>
+                    </a:ext>
+                  </a:extLst>
+                </a:gridCol>
+              </a:tblGrid>
+              <a:tr h="370840">
+                <a:tc>
+                  <a:txBody>
+                    <a:bodyPr/>
+                    <a:lstStyle/>
+                    <a:p>
+                      <a:r>
+                        <a:rPr lang="en-US" dirty="0"/>
+                        <a:t>0</a:t>
+                      </a:r>
+                    </a:p>
+                  </a:txBody>
+                  <a:tcPr/>
+                </a:tc>
+                <a:extLst>
+                  <a:ext uri="{0D108BD9-81ED-4DB2-BD59-A6C34878D82A}">
+                    <a16:rowId xmlns:a16="http://schemas.microsoft.com/office/drawing/2014/main" val="907461427"/>
+                  </a:ext>
+                </a:extLst>
+              </a:tr>
+              <a:tr h="370840">
+                <a:tc>
+                  <a:txBody>
+                    <a:bodyPr/>
+                    <a:lstStyle/>
+                    <a:p>
+                      <a:r>
+                        <a:rPr lang="en-US" dirty="0"/>
+                        <a:t>1</a:t>
+                      </a:r>
+                    </a:p>
+                  </a:txBody>
+                  <a:tcPr/>
+                </a:tc>
+                <a:extLst>
+                  <a:ext uri="{0D108BD9-81ED-4DB2-BD59-A6C34878D82A}">
+                    <a16:rowId xmlns:a16="http://schemas.microsoft.com/office/drawing/2014/main" val="523881192"/>
+                  </a:ext>
+                </a:extLst>
+              </a:tr>
+            </a:tbl>
+          </a:graphicData>
+        </a:graphic>
+      </p:graphicFrame>
+      <p:graphicFrame>
+        <p:nvGraphicFramePr>
+          <p:cNvPr id="6" name="Table 5">
+            <a:extLst>
+              <a:ext uri="{FF2B5EF4-FFF2-40B4-BE49-F238E27FC236}">
+                <a16:creationId xmlns:a16="http://schemas.microsoft.com/office/drawing/2014/main" id="{83DE73EC-240E-F621-3906-B60E56A4EF12}"/>
+              </a:ext>
+            </a:extLst>
+          </p:cNvPr>
+          <p:cNvGraphicFramePr>
+            <a:graphicFrameLocks noGrp="1"/>
+          </p:cNvGraphicFramePr>
+          <p:nvPr>
+            <p:extLst>
+              <p:ext uri="{D42A27DB-BD31-4B8C-83A1-F6EECF244321}">
+                <p14:modId xmlns:p14="http://schemas.microsoft.com/office/powerpoint/2010/main" val="4196518587"/>
+              </p:ext>
+            </p:extLst>
+          </p:nvPr>
+        </p:nvGraphicFramePr>
+        <p:xfrm>
+          <a:off x="5487381" y="4121747"/>
+          <a:ext cx="517912" cy="741680"/>
+        </p:xfrm>
+        <a:graphic>
+          <a:graphicData uri="http://schemas.openxmlformats.org/drawingml/2006/table">
+            <a:tbl>
+              <a:tblPr firstRow="1" bandRow="1">
+                <a:tableStyleId>{0E3FDE45-AF77-4B5C-9715-49D594BDF05E}</a:tableStyleId>
+              </a:tblPr>
+              <a:tblGrid>
+                <a:gridCol w="517912">
+                  <a:extLst>
+                    <a:ext uri="{9D8B030D-6E8A-4147-A177-3AD203B41FA5}">
+                      <a16:colId xmlns:a16="http://schemas.microsoft.com/office/drawing/2014/main" val="1049364429"/>
+                    </a:ext>
+                  </a:extLst>
+                </a:gridCol>
+              </a:tblGrid>
+              <a:tr h="370840">
+                <a:tc>
+                  <a:txBody>
+                    <a:bodyPr/>
+                    <a:lstStyle/>
+                    <a:p>
+                      <a:r>
+                        <a:rPr lang="en-US" dirty="0"/>
+                        <a:t>0.4</a:t>
+                      </a:r>
+                    </a:p>
+                  </a:txBody>
+                  <a:tcPr/>
+                </a:tc>
+                <a:extLst>
+                  <a:ext uri="{0D108BD9-81ED-4DB2-BD59-A6C34878D82A}">
+                    <a16:rowId xmlns:a16="http://schemas.microsoft.com/office/drawing/2014/main" val="907461427"/>
+                  </a:ext>
+                </a:extLst>
+              </a:tr>
+              <a:tr h="370840">
+                <a:tc>
+                  <a:txBody>
+                    <a:bodyPr/>
+                    <a:lstStyle/>
+                    <a:p>
+                      <a:r>
+                        <a:rPr lang="en-US" dirty="0"/>
+                        <a:t>0.6</a:t>
+                      </a:r>
+                    </a:p>
+                  </a:txBody>
+                  <a:tcPr/>
+                </a:tc>
+                <a:extLst>
+                  <a:ext uri="{0D108BD9-81ED-4DB2-BD59-A6C34878D82A}">
+                    <a16:rowId xmlns:a16="http://schemas.microsoft.com/office/drawing/2014/main" val="523881192"/>
+                  </a:ext>
+                </a:extLst>
+              </a:tr>
+            </a:tbl>
+          </a:graphicData>
+        </a:graphic>
+      </p:graphicFrame>
+      <p:sp>
+        <p:nvSpPr>
+          <p:cNvPr id="7" name="Left Brace 6">
+            <a:extLst>
+              <a:ext uri="{FF2B5EF4-FFF2-40B4-BE49-F238E27FC236}">
+                <a16:creationId xmlns:a16="http://schemas.microsoft.com/office/drawing/2014/main" id="{7489CD09-C7D9-8C00-4A75-A893E50D9F7A}"/>
+              </a:ext>
+            </a:extLst>
+          </p:cNvPr>
+          <p:cNvSpPr/>
+          <p:nvPr/>
+        </p:nvSpPr>
+        <p:spPr>
+          <a:xfrm rot="16200000">
+            <a:off x="6517342" y="4004846"/>
+            <a:ext cx="233704" cy="2672901"/>
+          </a:xfrm>
+          <a:prstGeom prst="leftBrace">
+            <a:avLst/>
+          </a:prstGeom>
+          <a:ln w="38100"/>
+        </p:spPr>
+        <p:style>
+          <a:lnRef idx="1">
+            <a:schemeClr val="accent1"/>
+          </a:lnRef>
+          <a:fillRef idx="0">
+            <a:schemeClr val="accent1"/>
+          </a:fillRef>
+          <a:effectRef idx="0">
+            <a:schemeClr val="accent1"/>
+          </a:effectRef>
+          <a:fontRef idx="minor">
+            <a:schemeClr val="tx1"/>
+          </a:fontRef>
+        </p:style>
+        <p:txBody>
+          <a:bodyPr rtlCol="0" anchor="ctr"/>
+          <a:lstStyle/>
+          <a:p>
+            <a:pPr algn="ctr"/>
+            <a:endParaRPr lang="en-US"/>
+          </a:p>
+        </p:txBody>
+      </p:sp>
+      <p:sp>
+        <p:nvSpPr>
+          <p:cNvPr id="9" name="Freeform: Shape 8">
+            <a:extLst>
+              <a:ext uri="{FF2B5EF4-FFF2-40B4-BE49-F238E27FC236}">
+                <a16:creationId xmlns:a16="http://schemas.microsoft.com/office/drawing/2014/main" id="{C0562CB6-173F-C0FB-2371-22622B37ED7F}"/>
+              </a:ext>
+            </a:extLst>
+          </p:cNvPr>
+          <p:cNvSpPr/>
+          <p:nvPr/>
+        </p:nvSpPr>
+        <p:spPr>
+          <a:xfrm>
+            <a:off x="1304790" y="3318871"/>
+            <a:ext cx="5333903" cy="2539236"/>
+          </a:xfrm>
+          <a:custGeom>
+            <a:avLst/>
+            <a:gdLst>
+              <a:gd name="connsiteX0" fmla="*/ 5333903 w 5333903"/>
+              <a:gd name="connsiteY0" fmla="*/ 2256739 h 2539236"/>
+              <a:gd name="connsiteX1" fmla="*/ 3430761 w 5333903"/>
+              <a:gd name="connsiteY1" fmla="*/ 2539236 h 2539236"/>
+              <a:gd name="connsiteX2" fmla="*/ 1877025 w 5333903"/>
+              <a:gd name="connsiteY2" fmla="*/ 2256739 h 2539236"/>
+              <a:gd name="connsiteX3" fmla="*/ 583483 w 5333903"/>
+              <a:gd name="connsiteY3" fmla="*/ 1505890 h 2539236"/>
+              <a:gd name="connsiteX4" fmla="*/ 196908 w 5333903"/>
+              <a:gd name="connsiteY4" fmla="*/ 725305 h 2539236"/>
+              <a:gd name="connsiteX5" fmla="*/ 25922 w 5333903"/>
+              <a:gd name="connsiteY5" fmla="*/ 63666 h 2539236"/>
+              <a:gd name="connsiteX6" fmla="*/ 3620 w 5333903"/>
+              <a:gd name="connsiteY6" fmla="*/ 63666 h 2539236"/>
+            </a:gdLst>
+            <a:ahLst/>
+            <a:cxnLst>
+              <a:cxn ang="0">
+                <a:pos x="connsiteX0" y="connsiteY0"/>
+              </a:cxn>
+              <a:cxn ang="0">
+                <a:pos x="connsiteX1" y="connsiteY1"/>
+              </a:cxn>
+              <a:cxn ang="0">
+                <a:pos x="connsiteX2" y="connsiteY2"/>
+              </a:cxn>
+              <a:cxn ang="0">
+                <a:pos x="connsiteX3" y="connsiteY3"/>
+              </a:cxn>
+              <a:cxn ang="0">
+                <a:pos x="connsiteX4" y="connsiteY4"/>
+              </a:cxn>
+              <a:cxn ang="0">
+                <a:pos x="connsiteX5" y="connsiteY5"/>
+              </a:cxn>
+              <a:cxn ang="0">
+                <a:pos x="connsiteX6" y="connsiteY6"/>
+              </a:cxn>
+            </a:cxnLst>
+            <a:rect l="l" t="t" r="r" b="b"/>
+            <a:pathLst>
+              <a:path w="5333903" h="2539236">
+                <a:moveTo>
+                  <a:pt x="5333903" y="2256739"/>
+                </a:moveTo>
+                <a:cubicBezTo>
+                  <a:pt x="4670405" y="2397987"/>
+                  <a:pt x="4006907" y="2539236"/>
+                  <a:pt x="3430761" y="2539236"/>
+                </a:cubicBezTo>
+                <a:cubicBezTo>
+                  <a:pt x="2854615" y="2539236"/>
+                  <a:pt x="2351571" y="2428963"/>
+                  <a:pt x="1877025" y="2256739"/>
+                </a:cubicBezTo>
+                <a:cubicBezTo>
+                  <a:pt x="1402479" y="2084515"/>
+                  <a:pt x="863503" y="1761129"/>
+                  <a:pt x="583483" y="1505890"/>
+                </a:cubicBezTo>
+                <a:cubicBezTo>
+                  <a:pt x="303463" y="1250651"/>
+                  <a:pt x="289835" y="965676"/>
+                  <a:pt x="196908" y="725305"/>
+                </a:cubicBezTo>
+                <a:cubicBezTo>
+                  <a:pt x="103981" y="484934"/>
+                  <a:pt x="25922" y="63666"/>
+                  <a:pt x="25922" y="63666"/>
+                </a:cubicBezTo>
+                <a:cubicBezTo>
+                  <a:pt x="-6293" y="-46607"/>
+                  <a:pt x="-1337" y="8529"/>
+                  <a:pt x="3620" y="63666"/>
+                </a:cubicBezTo>
+              </a:path>
+            </a:pathLst>
+          </a:custGeom>
+          <a:noFill/>
+          <a:ln>
+            <a:solidFill>
+              <a:srgbClr val="FF0000"/>
+            </a:solidFill>
+          </a:ln>
+        </p:spPr>
+        <p:style>
+          <a:lnRef idx="2">
+            <a:schemeClr val="accent1">
+              <a:shade val="15000"/>
+            </a:schemeClr>
+          </a:lnRef>
+          <a:fillRef idx="1">
+            <a:schemeClr val="accent1"/>
+          </a:fillRef>
+          <a:effectRef idx="0">
+            <a:schemeClr val="accent1"/>
+          </a:effectRef>
+          <a:fontRef idx="minor">
+            <a:schemeClr val="lt1"/>
+          </a:fontRef>
+        </p:style>
+        <p:txBody>
+          <a:bodyPr rtlCol="0" anchor="ctr"/>
+          <a:lstStyle/>
+          <a:p>
+            <a:pPr algn="ctr"/>
+            <a:endParaRPr lang="en-US" dirty="0">
+              <a:solidFill>
+                <a:srgbClr val="FF0000"/>
+              </a:solidFill>
+            </a:endParaRPr>
+          </a:p>
+        </p:txBody>
+      </p:sp>
+      <p:sp>
+        <p:nvSpPr>
+          <p:cNvPr id="10" name="TextBox 9">
+            <a:extLst>
+              <a:ext uri="{FF2B5EF4-FFF2-40B4-BE49-F238E27FC236}">
+                <a16:creationId xmlns:a16="http://schemas.microsoft.com/office/drawing/2014/main" id="{00CED87D-83E6-E451-3FE7-65F71470EC6C}"/>
+              </a:ext>
+            </a:extLst>
+          </p:cNvPr>
+          <p:cNvSpPr txBox="1"/>
+          <p:nvPr/>
+        </p:nvSpPr>
+        <p:spPr>
+          <a:xfrm>
+            <a:off x="1642946" y="4863427"/>
+            <a:ext cx="2928174" cy="369332"/>
+          </a:xfrm>
+          <a:prstGeom prst="rect">
+            <a:avLst/>
+          </a:prstGeom>
+          <a:noFill/>
+        </p:spPr>
+        <p:txBody>
+          <a:bodyPr wrap="none" rtlCol="0">
+            <a:spAutoFit/>
+          </a:bodyPr>
+          <a:lstStyle/>
+          <a:p>
+            <a:r>
+              <a:rPr lang="en-US" dirty="0"/>
+              <a:t>how to </a:t>
+            </a:r>
+            <a:r>
+              <a:rPr lang="en-US" dirty="0">
+                <a:solidFill>
+                  <a:srgbClr val="FF0000"/>
+                </a:solidFill>
+              </a:rPr>
+              <a:t>minimize loss (error)?</a:t>
+            </a:r>
+          </a:p>
+        </p:txBody>
+      </p:sp>
+    </p:spTree>
+    <p:extLst>
+      <p:ext uri="{BB962C8B-B14F-4D97-AF65-F5344CB8AC3E}">
+        <p14:creationId xmlns:p14="http://schemas.microsoft.com/office/powerpoint/2010/main" val="735738061"/>
+      </p:ext>
+    </p:extLst>
+  </p:cSld>
+  <p:clrMapOvr>
+    <a:masterClrMapping/>
+  </p:clrMapOvr>
+</p:sld>
+</file>
+
+<file path=ppt/slides/slide6.xml><?xml version="1.0" encoding="utf-8"?>
+<p:sld xmlns:a="http://schemas.openxmlformats.org/drawingml/2006/main" xmlns:r="http://schemas.openxmlformats.org/officeDocument/2006/relationships" xmlns:p="http://schemas.openxmlformats.org/presentationml/2006/main">
+  <p:cSld>
+    <p:spTree>
+      <p:nvGrpSpPr>
+        <p:cNvPr id="1" name=""/>
+        <p:cNvGrpSpPr/>
+        <p:nvPr/>
+      </p:nvGrpSpPr>
+      <p:grpSpPr>
+        <a:xfrm>
+          <a:off x="0" y="0"/>
+          <a:ext cx="0" cy="0"/>
+          <a:chOff x="0" y="0"/>
+          <a:chExt cx="0" cy="0"/>
+        </a:xfrm>
+      </p:grpSpPr>
+      <p:sp>
+        <p:nvSpPr>
+          <p:cNvPr id="2" name="Title 1">
+            <a:extLst>
+              <a:ext uri="{FF2B5EF4-FFF2-40B4-BE49-F238E27FC236}">
                 <a16:creationId xmlns:a16="http://schemas.microsoft.com/office/drawing/2014/main" id="{DABE75DE-FCA2-FD6C-4D89-82A7464EC589}"/>
               </a:ext>
             </a:extLst>
@@ -5749,8 +6272,8 @@
         </p:nvSpPr>
         <p:spPr>
           <a:xfrm>
-            <a:off x="6812657" y="5747482"/>
-            <a:ext cx="3480011" cy="369332"/>
+            <a:off x="7853438" y="5703764"/>
+            <a:ext cx="777606" cy="369332"/>
           </a:xfrm>
           <a:prstGeom prst="rect">
             <a:avLst/>
@@ -5767,7 +6290,7 @@
           <a:p>
             <a:r>
               <a:rPr lang="en-US" dirty="0"/>
-              <a:t>Logistic Regression: MSE </a:t>
+              <a:t>MSE </a:t>
             </a:r>
           </a:p>
         </p:txBody>
@@ -5787,7 +6310,7 @@
         <p:spPr>
           <a:xfrm>
             <a:off x="2030320" y="5747482"/>
-            <a:ext cx="2503896" cy="369332"/>
+            <a:ext cx="2117934" cy="369332"/>
           </a:xfrm>
           <a:prstGeom prst="rect">
             <a:avLst/>
@@ -5804,7 +6327,7 @@
           <a:p>
             <a:r>
               <a:rPr lang="en-US" dirty="0"/>
-              <a:t>Linear regression: MSE</a:t>
+              <a:t>Logistic  regression</a:t>
             </a:r>
           </a:p>
         </p:txBody>
@@ -5822,7 +6345,7 @@
 </p:sld>
 </file>
 
-<file path=ppt/slides/slide6.xml><?xml version="1.0" encoding="utf-8"?>
+<file path=ppt/slides/slide7.xml><?xml version="1.0" encoding="utf-8"?>
 <p:sld xmlns:a="http://schemas.openxmlformats.org/drawingml/2006/main" xmlns:r="http://schemas.openxmlformats.org/officeDocument/2006/relationships" xmlns:p="http://schemas.openxmlformats.org/presentationml/2006/main">
   <p:cSld>
     <p:spTree>
